--- a/Prezentacija Calorie Counter App.pptx
+++ b/Prezentacija Calorie Counter App.pptx
@@ -324,7 +324,7 @@
           <a:p>
             <a:fld id="{2AA0390B-8996-4211-A3D7-3E15738D98C2}" type="datetimeFigureOut">
               <a:rPr lang="hr-HR" smtClean="0"/>
-              <a:t>2.3.2022.</a:t>
+              <a:t>5.3.2022.</a:t>
             </a:fld>
             <a:endParaRPr lang="hr-HR"/>
           </a:p>
@@ -599,7 +599,7 @@
           <a:p>
             <a:fld id="{2AA0390B-8996-4211-A3D7-3E15738D98C2}" type="datetimeFigureOut">
               <a:rPr lang="hr-HR" smtClean="0"/>
-              <a:t>2.3.2022.</a:t>
+              <a:t>5.3.2022.</a:t>
             </a:fld>
             <a:endParaRPr lang="hr-HR"/>
           </a:p>
@@ -793,7 +793,7 @@
           <a:p>
             <a:fld id="{2AA0390B-8996-4211-A3D7-3E15738D98C2}" type="datetimeFigureOut">
               <a:rPr lang="hr-HR" smtClean="0"/>
-              <a:t>2.3.2022.</a:t>
+              <a:t>5.3.2022.</a:t>
             </a:fld>
             <a:endParaRPr lang="hr-HR"/>
           </a:p>
@@ -1066,7 +1066,7 @@
           <a:p>
             <a:fld id="{2AA0390B-8996-4211-A3D7-3E15738D98C2}" type="datetimeFigureOut">
               <a:rPr lang="hr-HR" smtClean="0"/>
-              <a:t>2.3.2022.</a:t>
+              <a:t>5.3.2022.</a:t>
             </a:fld>
             <a:endParaRPr lang="hr-HR"/>
           </a:p>
@@ -1407,7 +1407,7 @@
           <a:p>
             <a:fld id="{2AA0390B-8996-4211-A3D7-3E15738D98C2}" type="datetimeFigureOut">
               <a:rPr lang="hr-HR" smtClean="0"/>
-              <a:t>2.3.2022.</a:t>
+              <a:t>5.3.2022.</a:t>
             </a:fld>
             <a:endParaRPr lang="hr-HR"/>
           </a:p>
@@ -2030,7 +2030,7 @@
           <a:p>
             <a:fld id="{2AA0390B-8996-4211-A3D7-3E15738D98C2}" type="datetimeFigureOut">
               <a:rPr lang="hr-HR" smtClean="0"/>
-              <a:t>2.3.2022.</a:t>
+              <a:t>5.3.2022.</a:t>
             </a:fld>
             <a:endParaRPr lang="hr-HR"/>
           </a:p>
@@ -2890,7 +2890,7 @@
           <a:p>
             <a:fld id="{2AA0390B-8996-4211-A3D7-3E15738D98C2}" type="datetimeFigureOut">
               <a:rPr lang="hr-HR" smtClean="0"/>
-              <a:t>2.3.2022.</a:t>
+              <a:t>5.3.2022.</a:t>
             </a:fld>
             <a:endParaRPr lang="hr-HR"/>
           </a:p>
@@ -3060,7 +3060,7 @@
           <a:p>
             <a:fld id="{2AA0390B-8996-4211-A3D7-3E15738D98C2}" type="datetimeFigureOut">
               <a:rPr lang="hr-HR" smtClean="0"/>
-              <a:t>2.3.2022.</a:t>
+              <a:t>5.3.2022.</a:t>
             </a:fld>
             <a:endParaRPr lang="hr-HR"/>
           </a:p>
@@ -3240,7 +3240,7 @@
           <a:p>
             <a:fld id="{2AA0390B-8996-4211-A3D7-3E15738D98C2}" type="datetimeFigureOut">
               <a:rPr lang="hr-HR" smtClean="0"/>
-              <a:t>2.3.2022.</a:t>
+              <a:t>5.3.2022.</a:t>
             </a:fld>
             <a:endParaRPr lang="hr-HR"/>
           </a:p>
@@ -3410,7 +3410,7 @@
           <a:p>
             <a:fld id="{2AA0390B-8996-4211-A3D7-3E15738D98C2}" type="datetimeFigureOut">
               <a:rPr lang="hr-HR" smtClean="0"/>
-              <a:t>2.3.2022.</a:t>
+              <a:t>5.3.2022.</a:t>
             </a:fld>
             <a:endParaRPr lang="hr-HR"/>
           </a:p>
@@ -3657,7 +3657,7 @@
           <a:p>
             <a:fld id="{2AA0390B-8996-4211-A3D7-3E15738D98C2}" type="datetimeFigureOut">
               <a:rPr lang="hr-HR" smtClean="0"/>
-              <a:t>2.3.2022.</a:t>
+              <a:t>5.3.2022.</a:t>
             </a:fld>
             <a:endParaRPr lang="hr-HR"/>
           </a:p>
@@ -3949,7 +3949,7 @@
           <a:p>
             <a:fld id="{2AA0390B-8996-4211-A3D7-3E15738D98C2}" type="datetimeFigureOut">
               <a:rPr lang="hr-HR" smtClean="0"/>
-              <a:t>2.3.2022.</a:t>
+              <a:t>5.3.2022.</a:t>
             </a:fld>
             <a:endParaRPr lang="hr-HR"/>
           </a:p>
@@ -4393,7 +4393,7 @@
           <a:p>
             <a:fld id="{2AA0390B-8996-4211-A3D7-3E15738D98C2}" type="datetimeFigureOut">
               <a:rPr lang="hr-HR" smtClean="0"/>
-              <a:t>2.3.2022.</a:t>
+              <a:t>5.3.2022.</a:t>
             </a:fld>
             <a:endParaRPr lang="hr-HR"/>
           </a:p>
@@ -4511,7 +4511,7 @@
           <a:p>
             <a:fld id="{2AA0390B-8996-4211-A3D7-3E15738D98C2}" type="datetimeFigureOut">
               <a:rPr lang="hr-HR" smtClean="0"/>
-              <a:t>2.3.2022.</a:t>
+              <a:t>5.3.2022.</a:t>
             </a:fld>
             <a:endParaRPr lang="hr-HR"/>
           </a:p>
@@ -4606,7 +4606,7 @@
           <a:p>
             <a:fld id="{2AA0390B-8996-4211-A3D7-3E15738D98C2}" type="datetimeFigureOut">
               <a:rPr lang="hr-HR" smtClean="0"/>
-              <a:t>2.3.2022.</a:t>
+              <a:t>5.3.2022.</a:t>
             </a:fld>
             <a:endParaRPr lang="hr-HR"/>
           </a:p>
@@ -4885,7 +4885,7 @@
           <a:p>
             <a:fld id="{2AA0390B-8996-4211-A3D7-3E15738D98C2}" type="datetimeFigureOut">
               <a:rPr lang="hr-HR" smtClean="0"/>
-              <a:t>2.3.2022.</a:t>
+              <a:t>5.3.2022.</a:t>
             </a:fld>
             <a:endParaRPr lang="hr-HR"/>
           </a:p>
@@ -5160,7 +5160,7 @@
           <a:p>
             <a:fld id="{2AA0390B-8996-4211-A3D7-3E15738D98C2}" type="datetimeFigureOut">
               <a:rPr lang="hr-HR" smtClean="0"/>
-              <a:t>2.3.2022.</a:t>
+              <a:t>5.3.2022.</a:t>
             </a:fld>
             <a:endParaRPr lang="hr-HR"/>
           </a:p>
@@ -5589,7 +5589,7 @@
           <a:p>
             <a:fld id="{2AA0390B-8996-4211-A3D7-3E15738D98C2}" type="datetimeFigureOut">
               <a:rPr lang="hr-HR" smtClean="0"/>
-              <a:t>2.3.2022.</a:t>
+              <a:t>5.3.2022.</a:t>
             </a:fld>
             <a:endParaRPr lang="hr-HR"/>
           </a:p>
@@ -6122,7 +6122,7 @@
           <p:cNvPr id="2" name="Title 1">
             <a:extLst>
               <a:ext uri="{FF2B5EF4-FFF2-40B4-BE49-F238E27FC236}">
-                <a16:creationId xmlns:a16="http://schemas.microsoft.com/office/drawing/2014/main" xmlns="" id="{9D219125-1E45-4699-ACD4-231247872B0D}"/>
+                <a16:creationId xmlns="" xmlns:a16="http://schemas.microsoft.com/office/drawing/2014/main" id="{9D219125-1E45-4699-ACD4-231247872B0D}"/>
               </a:ext>
             </a:extLst>
           </p:cNvPr>
@@ -6163,7 +6163,7 @@
           <p:cNvPr id="3" name="Content Placeholder 2">
             <a:extLst>
               <a:ext uri="{FF2B5EF4-FFF2-40B4-BE49-F238E27FC236}">
-                <a16:creationId xmlns:a16="http://schemas.microsoft.com/office/drawing/2014/main" xmlns="" id="{71AA878E-54A6-4B7A-A3C7-EA18CCFB2A9F}"/>
+                <a16:creationId xmlns="" xmlns:a16="http://schemas.microsoft.com/office/drawing/2014/main" id="{71AA878E-54A6-4B7A-A3C7-EA18CCFB2A9F}"/>
               </a:ext>
             </a:extLst>
           </p:cNvPr>
@@ -6218,7 +6218,7 @@
           <p:cNvPr id="2" name="Title 1">
             <a:extLst>
               <a:ext uri="{FF2B5EF4-FFF2-40B4-BE49-F238E27FC236}">
-                <a16:creationId xmlns:a16="http://schemas.microsoft.com/office/drawing/2014/main" xmlns="" id="{56DBF86C-7D70-4BA6-8FF4-2D87335C5FBA}"/>
+                <a16:creationId xmlns="" xmlns:a16="http://schemas.microsoft.com/office/drawing/2014/main" id="{56DBF86C-7D70-4BA6-8FF4-2D87335C5FBA}"/>
               </a:ext>
             </a:extLst>
           </p:cNvPr>
@@ -6252,7 +6252,7 @@
           <p:cNvPr id="9" name="Slika 8">
             <a:extLst>
               <a:ext uri="{FF2B5EF4-FFF2-40B4-BE49-F238E27FC236}">
-                <a16:creationId xmlns:a16="http://schemas.microsoft.com/office/drawing/2014/main" xmlns="" id="{FA03DD6D-817B-4C7E-8A0C-2D3949FB98EB}"/>
+                <a16:creationId xmlns="" xmlns:a16="http://schemas.microsoft.com/office/drawing/2014/main" id="{FA03DD6D-817B-4C7E-8A0C-2D3949FB98EB}"/>
               </a:ext>
             </a:extLst>
           </p:cNvPr>
@@ -6318,7 +6318,7 @@
           <p:cNvPr id="2" name="Title 1">
             <a:extLst>
               <a:ext uri="{FF2B5EF4-FFF2-40B4-BE49-F238E27FC236}">
-                <a16:creationId xmlns:a16="http://schemas.microsoft.com/office/drawing/2014/main" xmlns="" id="{56DBF86C-7D70-4BA6-8FF4-2D87335C5FBA}"/>
+                <a16:creationId xmlns="" xmlns:a16="http://schemas.microsoft.com/office/drawing/2014/main" id="{56DBF86C-7D70-4BA6-8FF4-2D87335C5FBA}"/>
               </a:ext>
             </a:extLst>
           </p:cNvPr>
@@ -6353,7 +6353,7 @@
           <p:cNvPr id="3" name="Subtitle 2">
             <a:extLst>
               <a:ext uri="{FF2B5EF4-FFF2-40B4-BE49-F238E27FC236}">
-                <a16:creationId xmlns:a16="http://schemas.microsoft.com/office/drawing/2014/main" xmlns="" id="{52614203-D48D-4930-9C3C-D0132F0A1568}"/>
+                <a16:creationId xmlns="" xmlns:a16="http://schemas.microsoft.com/office/drawing/2014/main" id="{52614203-D48D-4930-9C3C-D0132F0A1568}"/>
               </a:ext>
             </a:extLst>
           </p:cNvPr>
@@ -6426,7 +6426,7 @@
           <p:cNvPr id="4" name="Subtitle 2">
             <a:extLst>
               <a:ext uri="{FF2B5EF4-FFF2-40B4-BE49-F238E27FC236}">
-                <a16:creationId xmlns:a16="http://schemas.microsoft.com/office/drawing/2014/main" xmlns="" id="{B13FA9AC-A432-4077-AF5F-760F031E9B7B}"/>
+                <a16:creationId xmlns="" xmlns:a16="http://schemas.microsoft.com/office/drawing/2014/main" id="{B13FA9AC-A432-4077-AF5F-760F031E9B7B}"/>
               </a:ext>
             </a:extLst>
           </p:cNvPr>
@@ -6650,7 +6650,7 @@
           <p:cNvPr id="5" name="Subtitle 2">
             <a:extLst>
               <a:ext uri="{FF2B5EF4-FFF2-40B4-BE49-F238E27FC236}">
-                <a16:creationId xmlns:a16="http://schemas.microsoft.com/office/drawing/2014/main" xmlns="" id="{1F053FD7-5A52-46C2-926E-7A4D691257D4}"/>
+                <a16:creationId xmlns="" xmlns:a16="http://schemas.microsoft.com/office/drawing/2014/main" id="{1F053FD7-5A52-46C2-926E-7A4D691257D4}"/>
               </a:ext>
             </a:extLst>
           </p:cNvPr>
@@ -6898,7 +6898,7 @@
           <p:cNvPr id="3" name="Slika 2">
             <a:extLst>
               <a:ext uri="{FF2B5EF4-FFF2-40B4-BE49-F238E27FC236}">
-                <a16:creationId xmlns:a16="http://schemas.microsoft.com/office/drawing/2014/main" xmlns="" id="{7C340C81-E70B-4961-B1D0-2B133EA024DA}"/>
+                <a16:creationId xmlns="" xmlns:a16="http://schemas.microsoft.com/office/drawing/2014/main" id="{7C340C81-E70B-4961-B1D0-2B133EA024DA}"/>
               </a:ext>
             </a:extLst>
           </p:cNvPr>
@@ -6964,7 +6964,7 @@
           <p:cNvPr id="3" name="Subtitle 2">
             <a:extLst>
               <a:ext uri="{FF2B5EF4-FFF2-40B4-BE49-F238E27FC236}">
-                <a16:creationId xmlns:a16="http://schemas.microsoft.com/office/drawing/2014/main" xmlns="" id="{52614203-D48D-4930-9C3C-D0132F0A1568}"/>
+                <a16:creationId xmlns="" xmlns:a16="http://schemas.microsoft.com/office/drawing/2014/main" id="{52614203-D48D-4930-9C3C-D0132F0A1568}"/>
               </a:ext>
             </a:extLst>
           </p:cNvPr>
@@ -7138,7 +7138,7 @@
           <p:cNvPr id="2" name="Title 1">
             <a:extLst>
               <a:ext uri="{FF2B5EF4-FFF2-40B4-BE49-F238E27FC236}">
-                <a16:creationId xmlns:a16="http://schemas.microsoft.com/office/drawing/2014/main" xmlns="" id="{56DBF86C-7D70-4BA6-8FF4-2D87335C5FBA}"/>
+                <a16:creationId xmlns="" xmlns:a16="http://schemas.microsoft.com/office/drawing/2014/main" id="{56DBF86C-7D70-4BA6-8FF4-2D87335C5FBA}"/>
               </a:ext>
             </a:extLst>
           </p:cNvPr>
@@ -7172,7 +7172,7 @@
           <p:cNvPr id="9" name="Slika 8">
             <a:extLst>
               <a:ext uri="{FF2B5EF4-FFF2-40B4-BE49-F238E27FC236}">
-                <a16:creationId xmlns:a16="http://schemas.microsoft.com/office/drawing/2014/main" xmlns="" id="{8077BC7C-7477-4329-9A35-BC12DAAC45FD}"/>
+                <a16:creationId xmlns="" xmlns:a16="http://schemas.microsoft.com/office/drawing/2014/main" id="{8077BC7C-7477-4329-9A35-BC12DAAC45FD}"/>
               </a:ext>
             </a:extLst>
           </p:cNvPr>
@@ -7238,7 +7238,7 @@
           <p:cNvPr id="2" name="Title 1">
             <a:extLst>
               <a:ext uri="{FF2B5EF4-FFF2-40B4-BE49-F238E27FC236}">
-                <a16:creationId xmlns:a16="http://schemas.microsoft.com/office/drawing/2014/main" xmlns="" id="{56DBF86C-7D70-4BA6-8FF4-2D87335C5FBA}"/>
+                <a16:creationId xmlns="" xmlns:a16="http://schemas.microsoft.com/office/drawing/2014/main" id="{56DBF86C-7D70-4BA6-8FF4-2D87335C5FBA}"/>
               </a:ext>
             </a:extLst>
           </p:cNvPr>
@@ -7273,7 +7273,7 @@
           <p:cNvPr id="5" name="Subtitle 2">
             <a:extLst>
               <a:ext uri="{FF2B5EF4-FFF2-40B4-BE49-F238E27FC236}">
-                <a16:creationId xmlns:a16="http://schemas.microsoft.com/office/drawing/2014/main" xmlns="" id="{1F053FD7-5A52-46C2-926E-7A4D691257D4}"/>
+                <a16:creationId xmlns="" xmlns:a16="http://schemas.microsoft.com/office/drawing/2014/main" id="{1F053FD7-5A52-46C2-926E-7A4D691257D4}"/>
               </a:ext>
             </a:extLst>
           </p:cNvPr>
@@ -7541,7 +7541,7 @@
           <p:cNvPr id="3" name="Slika 2">
             <a:extLst>
               <a:ext uri="{FF2B5EF4-FFF2-40B4-BE49-F238E27FC236}">
-                <a16:creationId xmlns:a16="http://schemas.microsoft.com/office/drawing/2014/main" xmlns="" id="{3C44B24D-42B2-4639-B4FD-FA0BE9BC13F7}"/>
+                <a16:creationId xmlns="" xmlns:a16="http://schemas.microsoft.com/office/drawing/2014/main" id="{3C44B24D-42B2-4639-B4FD-FA0BE9BC13F7}"/>
               </a:ext>
             </a:extLst>
           </p:cNvPr>
@@ -7607,7 +7607,7 @@
           <p:cNvPr id="3" name="Subtitle 2">
             <a:extLst>
               <a:ext uri="{FF2B5EF4-FFF2-40B4-BE49-F238E27FC236}">
-                <a16:creationId xmlns:a16="http://schemas.microsoft.com/office/drawing/2014/main" xmlns="" id="{52614203-D48D-4930-9C3C-D0132F0A1568}"/>
+                <a16:creationId xmlns="" xmlns:a16="http://schemas.microsoft.com/office/drawing/2014/main" id="{52614203-D48D-4930-9C3C-D0132F0A1568}"/>
               </a:ext>
             </a:extLst>
           </p:cNvPr>
@@ -7779,7 +7779,7 @@
           <p:cNvPr id="2" name="Title 1">
             <a:extLst>
               <a:ext uri="{FF2B5EF4-FFF2-40B4-BE49-F238E27FC236}">
-                <a16:creationId xmlns:a16="http://schemas.microsoft.com/office/drawing/2014/main" xmlns="" id="{56DBF86C-7D70-4BA6-8FF4-2D87335C5FBA}"/>
+                <a16:creationId xmlns="" xmlns:a16="http://schemas.microsoft.com/office/drawing/2014/main" id="{56DBF86C-7D70-4BA6-8FF4-2D87335C5FBA}"/>
               </a:ext>
             </a:extLst>
           </p:cNvPr>
@@ -7813,7 +7813,7 @@
           <p:cNvPr id="7" name="Slika 6">
             <a:extLst>
               <a:ext uri="{FF2B5EF4-FFF2-40B4-BE49-F238E27FC236}">
-                <a16:creationId xmlns:a16="http://schemas.microsoft.com/office/drawing/2014/main" xmlns="" id="{B0F055A1-509E-4D3A-9FCB-C4AB855C1835}"/>
+                <a16:creationId xmlns="" xmlns:a16="http://schemas.microsoft.com/office/drawing/2014/main" id="{B0F055A1-509E-4D3A-9FCB-C4AB855C1835}"/>
               </a:ext>
             </a:extLst>
           </p:cNvPr>
@@ -7879,7 +7879,7 @@
           <p:cNvPr id="2" name="Title 1">
             <a:extLst>
               <a:ext uri="{FF2B5EF4-FFF2-40B4-BE49-F238E27FC236}">
-                <a16:creationId xmlns:a16="http://schemas.microsoft.com/office/drawing/2014/main" xmlns="" id="{56DBF86C-7D70-4BA6-8FF4-2D87335C5FBA}"/>
+                <a16:creationId xmlns="" xmlns:a16="http://schemas.microsoft.com/office/drawing/2014/main" id="{56DBF86C-7D70-4BA6-8FF4-2D87335C5FBA}"/>
               </a:ext>
             </a:extLst>
           </p:cNvPr>
@@ -7914,7 +7914,7 @@
           <p:cNvPr id="5" name="Subtitle 2">
             <a:extLst>
               <a:ext uri="{FF2B5EF4-FFF2-40B4-BE49-F238E27FC236}">
-                <a16:creationId xmlns:a16="http://schemas.microsoft.com/office/drawing/2014/main" xmlns="" id="{1F053FD7-5A52-46C2-926E-7A4D691257D4}"/>
+                <a16:creationId xmlns="" xmlns:a16="http://schemas.microsoft.com/office/drawing/2014/main" id="{1F053FD7-5A52-46C2-926E-7A4D691257D4}"/>
               </a:ext>
             </a:extLst>
           </p:cNvPr>
@@ -8183,7 +8183,7 @@
           <p:cNvPr id="2" name="Title 1">
             <a:extLst>
               <a:ext uri="{FF2B5EF4-FFF2-40B4-BE49-F238E27FC236}">
-                <a16:creationId xmlns:a16="http://schemas.microsoft.com/office/drawing/2014/main" xmlns="" id="{56DBF86C-7D70-4BA6-8FF4-2D87335C5FBA}"/>
+                <a16:creationId xmlns="" xmlns:a16="http://schemas.microsoft.com/office/drawing/2014/main" id="{56DBF86C-7D70-4BA6-8FF4-2D87335C5FBA}"/>
               </a:ext>
             </a:extLst>
           </p:cNvPr>
@@ -8217,7 +8217,7 @@
           <p:cNvPr id="4" name="Slika 3">
             <a:extLst>
               <a:ext uri="{FF2B5EF4-FFF2-40B4-BE49-F238E27FC236}">
-                <a16:creationId xmlns:a16="http://schemas.microsoft.com/office/drawing/2014/main" xmlns="" id="{08E33D45-B9C1-4BD2-96C6-F7D872575B6B}"/>
+                <a16:creationId xmlns="" xmlns:a16="http://schemas.microsoft.com/office/drawing/2014/main" id="{08E33D45-B9C1-4BD2-96C6-F7D872575B6B}"/>
               </a:ext>
             </a:extLst>
           </p:cNvPr>
@@ -8283,7 +8283,7 @@
           <p:cNvPr id="3" name="Slika 2">
             <a:extLst>
               <a:ext uri="{FF2B5EF4-FFF2-40B4-BE49-F238E27FC236}">
-                <a16:creationId xmlns:a16="http://schemas.microsoft.com/office/drawing/2014/main" xmlns="" id="{AA39320B-07BD-4728-ABDD-94B7347FA93F}"/>
+                <a16:creationId xmlns="" xmlns:a16="http://schemas.microsoft.com/office/drawing/2014/main" id="{AA39320B-07BD-4728-ABDD-94B7347FA93F}"/>
               </a:ext>
             </a:extLst>
           </p:cNvPr>
@@ -8349,7 +8349,7 @@
           <p:cNvPr id="3" name="Subtitle 2">
             <a:extLst>
               <a:ext uri="{FF2B5EF4-FFF2-40B4-BE49-F238E27FC236}">
-                <a16:creationId xmlns:a16="http://schemas.microsoft.com/office/drawing/2014/main" xmlns="" id="{52614203-D48D-4930-9C3C-D0132F0A1568}"/>
+                <a16:creationId xmlns="" xmlns:a16="http://schemas.microsoft.com/office/drawing/2014/main" id="{52614203-D48D-4930-9C3C-D0132F0A1568}"/>
               </a:ext>
             </a:extLst>
           </p:cNvPr>
@@ -8485,7 +8485,7 @@
           <p:cNvPr id="8" name="Title 7">
             <a:extLst>
               <a:ext uri="{FF2B5EF4-FFF2-40B4-BE49-F238E27FC236}">
-                <a16:creationId xmlns:a16="http://schemas.microsoft.com/office/drawing/2014/main" xmlns="" id="{20E547A1-C851-4C5F-B97D-B8D675C5CA85}"/>
+                <a16:creationId xmlns="" xmlns:a16="http://schemas.microsoft.com/office/drawing/2014/main" id="{20E547A1-C851-4C5F-B97D-B8D675C5CA85}"/>
               </a:ext>
             </a:extLst>
           </p:cNvPr>
@@ -8516,7 +8516,7 @@
           <p:cNvPr id="5" name="Rezervirano mjesto sadržaja 4">
             <a:extLst>
               <a:ext uri="{FF2B5EF4-FFF2-40B4-BE49-F238E27FC236}">
-                <a16:creationId xmlns:a16="http://schemas.microsoft.com/office/drawing/2014/main" xmlns="" id="{DCF958A1-1B7A-414D-8A98-26FDA54D3DB0}"/>
+                <a16:creationId xmlns="" xmlns:a16="http://schemas.microsoft.com/office/drawing/2014/main" id="{DCF958A1-1B7A-414D-8A98-26FDA54D3DB0}"/>
               </a:ext>
             </a:extLst>
           </p:cNvPr>
@@ -8581,7 +8581,7 @@
           <p:cNvPr id="2" name="Title 1">
             <a:extLst>
               <a:ext uri="{FF2B5EF4-FFF2-40B4-BE49-F238E27FC236}">
-                <a16:creationId xmlns:a16="http://schemas.microsoft.com/office/drawing/2014/main" xmlns="" id="{A8D49FF4-39FF-4207-8202-FA451BABD953}"/>
+                <a16:creationId xmlns="" xmlns:a16="http://schemas.microsoft.com/office/drawing/2014/main" id="{A8D49FF4-39FF-4207-8202-FA451BABD953}"/>
               </a:ext>
             </a:extLst>
           </p:cNvPr>
@@ -8612,7 +8612,7 @@
           <p:cNvPr id="11" name="Rezervirano mjesto sadržaja 10">
             <a:extLst>
               <a:ext uri="{FF2B5EF4-FFF2-40B4-BE49-F238E27FC236}">
-                <a16:creationId xmlns:a16="http://schemas.microsoft.com/office/drawing/2014/main" xmlns="" id="{88AAB6E6-8CC5-4CE9-BEC1-EDE7C4CE8ED1}"/>
+                <a16:creationId xmlns="" xmlns:a16="http://schemas.microsoft.com/office/drawing/2014/main" id="{88AAB6E6-8CC5-4CE9-BEC1-EDE7C4CE8ED1}"/>
               </a:ext>
             </a:extLst>
           </p:cNvPr>
@@ -8677,7 +8677,7 @@
           <p:cNvPr id="2" name="Title 1">
             <a:extLst>
               <a:ext uri="{FF2B5EF4-FFF2-40B4-BE49-F238E27FC236}">
-                <a16:creationId xmlns:a16="http://schemas.microsoft.com/office/drawing/2014/main" xmlns="" id="{56DBF86C-7D70-4BA6-8FF4-2D87335C5FBA}"/>
+                <a16:creationId xmlns="" xmlns:a16="http://schemas.microsoft.com/office/drawing/2014/main" id="{56DBF86C-7D70-4BA6-8FF4-2D87335C5FBA}"/>
               </a:ext>
             </a:extLst>
           </p:cNvPr>
@@ -8712,7 +8712,7 @@
           <p:cNvPr id="5" name="Subtitle 2">
             <a:extLst>
               <a:ext uri="{FF2B5EF4-FFF2-40B4-BE49-F238E27FC236}">
-                <a16:creationId xmlns:a16="http://schemas.microsoft.com/office/drawing/2014/main" xmlns="" id="{1F053FD7-5A52-46C2-926E-7A4D691257D4}"/>
+                <a16:creationId xmlns="" xmlns:a16="http://schemas.microsoft.com/office/drawing/2014/main" id="{1F053FD7-5A52-46C2-926E-7A4D691257D4}"/>
               </a:ext>
             </a:extLst>
           </p:cNvPr>
@@ -8947,7 +8947,7 @@
           <p:cNvPr id="4" name="Subtitle 2">
             <a:extLst>
               <a:ext uri="{FF2B5EF4-FFF2-40B4-BE49-F238E27FC236}">
-                <a16:creationId xmlns:a16="http://schemas.microsoft.com/office/drawing/2014/main" xmlns="" id="{336801C0-7CCE-4CC2-B536-18C505628062}"/>
+                <a16:creationId xmlns="" xmlns:a16="http://schemas.microsoft.com/office/drawing/2014/main" id="{336801C0-7CCE-4CC2-B536-18C505628062}"/>
               </a:ext>
             </a:extLst>
           </p:cNvPr>
@@ -9195,7 +9195,7 @@
           <p:cNvPr id="2" name="Title 1">
             <a:extLst>
               <a:ext uri="{FF2B5EF4-FFF2-40B4-BE49-F238E27FC236}">
-                <a16:creationId xmlns:a16="http://schemas.microsoft.com/office/drawing/2014/main" xmlns="" id="{56DBF86C-7D70-4BA6-8FF4-2D87335C5FBA}"/>
+                <a16:creationId xmlns="" xmlns:a16="http://schemas.microsoft.com/office/drawing/2014/main" id="{56DBF86C-7D70-4BA6-8FF4-2D87335C5FBA}"/>
               </a:ext>
             </a:extLst>
           </p:cNvPr>
@@ -9230,7 +9230,7 @@
           <p:cNvPr id="5" name="Subtitle 2">
             <a:extLst>
               <a:ext uri="{FF2B5EF4-FFF2-40B4-BE49-F238E27FC236}">
-                <a16:creationId xmlns:a16="http://schemas.microsoft.com/office/drawing/2014/main" xmlns="" id="{1F053FD7-5A52-46C2-926E-7A4D691257D4}"/>
+                <a16:creationId xmlns="" xmlns:a16="http://schemas.microsoft.com/office/drawing/2014/main" id="{1F053FD7-5A52-46C2-926E-7A4D691257D4}"/>
               </a:ext>
             </a:extLst>
           </p:cNvPr>
@@ -9543,7 +9543,7 @@
           <p:cNvPr id="2" name="Title 1">
             <a:extLst>
               <a:ext uri="{FF2B5EF4-FFF2-40B4-BE49-F238E27FC236}">
-                <a16:creationId xmlns:a16="http://schemas.microsoft.com/office/drawing/2014/main" xmlns="" id="{56DBF86C-7D70-4BA6-8FF4-2D87335C5FBA}"/>
+                <a16:creationId xmlns="" xmlns:a16="http://schemas.microsoft.com/office/drawing/2014/main" id="{56DBF86C-7D70-4BA6-8FF4-2D87335C5FBA}"/>
               </a:ext>
             </a:extLst>
           </p:cNvPr>
@@ -9586,7 +9586,7 @@
           <p:cNvPr id="5" name="Subtitle 2">
             <a:extLst>
               <a:ext uri="{FF2B5EF4-FFF2-40B4-BE49-F238E27FC236}">
-                <a16:creationId xmlns:a16="http://schemas.microsoft.com/office/drawing/2014/main" xmlns="" id="{1F053FD7-5A52-46C2-926E-7A4D691257D4}"/>
+                <a16:creationId xmlns="" xmlns:a16="http://schemas.microsoft.com/office/drawing/2014/main" id="{1F053FD7-5A52-46C2-926E-7A4D691257D4}"/>
               </a:ext>
             </a:extLst>
           </p:cNvPr>
@@ -9862,7 +9862,7 @@
           <p:cNvPr id="2" name="Title 1">
             <a:extLst>
               <a:ext uri="{FF2B5EF4-FFF2-40B4-BE49-F238E27FC236}">
-                <a16:creationId xmlns:a16="http://schemas.microsoft.com/office/drawing/2014/main" xmlns="" id="{A76F0FB4-815A-49BB-BDEE-4B04FD7B0BF6}"/>
+                <a16:creationId xmlns="" xmlns:a16="http://schemas.microsoft.com/office/drawing/2014/main" id="{A76F0FB4-815A-49BB-BDEE-4B04FD7B0BF6}"/>
               </a:ext>
             </a:extLst>
           </p:cNvPr>
@@ -9891,7 +9891,7 @@
           <p:cNvPr id="3" name="Content Placeholder 2">
             <a:extLst>
               <a:ext uri="{FF2B5EF4-FFF2-40B4-BE49-F238E27FC236}">
-                <a16:creationId xmlns:a16="http://schemas.microsoft.com/office/drawing/2014/main" xmlns="" id="{8B7E43C5-2F1D-430A-AE5C-DE6E7E5EAE8A}"/>
+                <a16:creationId xmlns="" xmlns:a16="http://schemas.microsoft.com/office/drawing/2014/main" id="{8B7E43C5-2F1D-430A-AE5C-DE6E7E5EAE8A}"/>
               </a:ext>
             </a:extLst>
           </p:cNvPr>
@@ -9990,7 +9990,7 @@
           <p:cNvPr id="2" name="Title 1">
             <a:extLst>
               <a:ext uri="{FF2B5EF4-FFF2-40B4-BE49-F238E27FC236}">
-                <a16:creationId xmlns:a16="http://schemas.microsoft.com/office/drawing/2014/main" xmlns="" id="{56DBF86C-7D70-4BA6-8FF4-2D87335C5FBA}"/>
+                <a16:creationId xmlns="" xmlns:a16="http://schemas.microsoft.com/office/drawing/2014/main" id="{56DBF86C-7D70-4BA6-8FF4-2D87335C5FBA}"/>
               </a:ext>
             </a:extLst>
           </p:cNvPr>
@@ -10025,7 +10025,7 @@
           <p:cNvPr id="3" name="Subtitle 2">
             <a:extLst>
               <a:ext uri="{FF2B5EF4-FFF2-40B4-BE49-F238E27FC236}">
-                <a16:creationId xmlns:a16="http://schemas.microsoft.com/office/drawing/2014/main" xmlns="" id="{52614203-D48D-4930-9C3C-D0132F0A1568}"/>
+                <a16:creationId xmlns="" xmlns:a16="http://schemas.microsoft.com/office/drawing/2014/main" id="{52614203-D48D-4930-9C3C-D0132F0A1568}"/>
               </a:ext>
             </a:extLst>
           </p:cNvPr>
@@ -10124,7 +10124,7 @@
           <p:cNvPr id="4" name="Subtitle 2">
             <a:extLst>
               <a:ext uri="{FF2B5EF4-FFF2-40B4-BE49-F238E27FC236}">
-                <a16:creationId xmlns:a16="http://schemas.microsoft.com/office/drawing/2014/main" xmlns="" id="{B13FA9AC-A432-4077-AF5F-760F031E9B7B}"/>
+                <a16:creationId xmlns="" xmlns:a16="http://schemas.microsoft.com/office/drawing/2014/main" id="{B13FA9AC-A432-4077-AF5F-760F031E9B7B}"/>
               </a:ext>
             </a:extLst>
           </p:cNvPr>
@@ -10359,7 +10359,7 @@
           <p:cNvPr id="5" name="Subtitle 2">
             <a:extLst>
               <a:ext uri="{FF2B5EF4-FFF2-40B4-BE49-F238E27FC236}">
-                <a16:creationId xmlns:a16="http://schemas.microsoft.com/office/drawing/2014/main" xmlns="" id="{1F053FD7-5A52-46C2-926E-7A4D691257D4}"/>
+                <a16:creationId xmlns="" xmlns:a16="http://schemas.microsoft.com/office/drawing/2014/main" id="{1F053FD7-5A52-46C2-926E-7A4D691257D4}"/>
               </a:ext>
             </a:extLst>
           </p:cNvPr>
@@ -10592,7 +10592,7 @@
           <p:cNvPr id="3" name="Slika 2">
             <a:extLst>
               <a:ext uri="{FF2B5EF4-FFF2-40B4-BE49-F238E27FC236}">
-                <a16:creationId xmlns:a16="http://schemas.microsoft.com/office/drawing/2014/main" xmlns="" id="{A0706EAB-E00B-4CAA-82E7-4B7ABEB39B7A}"/>
+                <a16:creationId xmlns="" xmlns:a16="http://schemas.microsoft.com/office/drawing/2014/main" id="{A0706EAB-E00B-4CAA-82E7-4B7ABEB39B7A}"/>
               </a:ext>
             </a:extLst>
           </p:cNvPr>
@@ -10615,8 +10615,8 @@
         </p:blipFill>
         <p:spPr>
           <a:xfrm>
-            <a:off x="2124075" y="544359"/>
-            <a:ext cx="8248650" cy="6157433"/>
+            <a:off x="3148488" y="544359"/>
+            <a:ext cx="6199824" cy="6157433"/>
           </a:xfrm>
           <a:prstGeom prst="rect">
             <a:avLst/>
@@ -10658,7 +10658,7 @@
           <p:cNvPr id="3" name="Subtitle 2">
             <a:extLst>
               <a:ext uri="{FF2B5EF4-FFF2-40B4-BE49-F238E27FC236}">
-                <a16:creationId xmlns:a16="http://schemas.microsoft.com/office/drawing/2014/main" xmlns="" id="{52614203-D48D-4930-9C3C-D0132F0A1568}"/>
+                <a16:creationId xmlns="" xmlns:a16="http://schemas.microsoft.com/office/drawing/2014/main" id="{52614203-D48D-4930-9C3C-D0132F0A1568}"/>
               </a:ext>
             </a:extLst>
           </p:cNvPr>
@@ -10816,7 +10816,7 @@
           <p:cNvPr id="2" name="Title 1">
             <a:extLst>
               <a:ext uri="{FF2B5EF4-FFF2-40B4-BE49-F238E27FC236}">
-                <a16:creationId xmlns:a16="http://schemas.microsoft.com/office/drawing/2014/main" xmlns="" id="{56DBF86C-7D70-4BA6-8FF4-2D87335C5FBA}"/>
+                <a16:creationId xmlns="" xmlns:a16="http://schemas.microsoft.com/office/drawing/2014/main" id="{56DBF86C-7D70-4BA6-8FF4-2D87335C5FBA}"/>
               </a:ext>
             </a:extLst>
           </p:cNvPr>
@@ -10852,7 +10852,7 @@
           <p:cNvPr id="4" name="Slika 3">
             <a:extLst>
               <a:ext uri="{FF2B5EF4-FFF2-40B4-BE49-F238E27FC236}">
-                <a16:creationId xmlns:a16="http://schemas.microsoft.com/office/drawing/2014/main" xmlns="" id="{B2846EBC-C3B6-4F1B-85AF-0CD118201904}"/>
+                <a16:creationId xmlns="" xmlns:a16="http://schemas.microsoft.com/office/drawing/2014/main" id="{B2846EBC-C3B6-4F1B-85AF-0CD118201904}"/>
               </a:ext>
             </a:extLst>
           </p:cNvPr>
@@ -10918,7 +10918,7 @@
           <p:cNvPr id="2" name="Title 1">
             <a:extLst>
               <a:ext uri="{FF2B5EF4-FFF2-40B4-BE49-F238E27FC236}">
-                <a16:creationId xmlns:a16="http://schemas.microsoft.com/office/drawing/2014/main" xmlns="" id="{56DBF86C-7D70-4BA6-8FF4-2D87335C5FBA}"/>
+                <a16:creationId xmlns="" xmlns:a16="http://schemas.microsoft.com/office/drawing/2014/main" id="{56DBF86C-7D70-4BA6-8FF4-2D87335C5FBA}"/>
               </a:ext>
             </a:extLst>
           </p:cNvPr>
@@ -10961,7 +10961,7 @@
           <p:cNvPr id="3" name="Subtitle 2">
             <a:extLst>
               <a:ext uri="{FF2B5EF4-FFF2-40B4-BE49-F238E27FC236}">
-                <a16:creationId xmlns:a16="http://schemas.microsoft.com/office/drawing/2014/main" xmlns="" id="{52614203-D48D-4930-9C3C-D0132F0A1568}"/>
+                <a16:creationId xmlns="" xmlns:a16="http://schemas.microsoft.com/office/drawing/2014/main" id="{52614203-D48D-4930-9C3C-D0132F0A1568}"/>
               </a:ext>
             </a:extLst>
           </p:cNvPr>
@@ -11017,7 +11017,6 @@
               <a:rPr lang="hr-HR" dirty="0" smtClean="0"/>
               <a:t>Promoviranje na moderatora</a:t>
             </a:r>
-            <a:endParaRPr lang="hr-HR" dirty="0" smtClean="0"/>
           </a:p>
           <a:p>
             <a:pPr marL="800100" lvl="1" indent="-342900" algn="l">
@@ -11041,7 +11040,7 @@
           <p:cNvPr id="4" name="Subtitle 2">
             <a:extLst>
               <a:ext uri="{FF2B5EF4-FFF2-40B4-BE49-F238E27FC236}">
-                <a16:creationId xmlns:a16="http://schemas.microsoft.com/office/drawing/2014/main" xmlns="" id="{B13FA9AC-A432-4077-AF5F-760F031E9B7B}"/>
+                <a16:creationId xmlns="" xmlns:a16="http://schemas.microsoft.com/office/drawing/2014/main" id="{B13FA9AC-A432-4077-AF5F-760F031E9B7B}"/>
               </a:ext>
             </a:extLst>
           </p:cNvPr>
@@ -11254,7 +11253,7 @@
           <p:cNvPr id="5" name="Subtitle 2">
             <a:extLst>
               <a:ext uri="{FF2B5EF4-FFF2-40B4-BE49-F238E27FC236}">
-                <a16:creationId xmlns:a16="http://schemas.microsoft.com/office/drawing/2014/main" xmlns="" id="{1F053FD7-5A52-46C2-926E-7A4D691257D4}"/>
+                <a16:creationId xmlns="" xmlns:a16="http://schemas.microsoft.com/office/drawing/2014/main" id="{1F053FD7-5A52-46C2-926E-7A4D691257D4}"/>
               </a:ext>
             </a:extLst>
           </p:cNvPr>
@@ -11487,7 +11486,7 @@
           <p:cNvPr id="3" name="Slika 2">
             <a:extLst>
               <a:ext uri="{FF2B5EF4-FFF2-40B4-BE49-F238E27FC236}">
-                <a16:creationId xmlns:a16="http://schemas.microsoft.com/office/drawing/2014/main" xmlns="" id="{57F2D43B-4E80-4D2E-9C4E-5244515F8174}"/>
+                <a16:creationId xmlns="" xmlns:a16="http://schemas.microsoft.com/office/drawing/2014/main" id="{57F2D43B-4E80-4D2E-9C4E-5244515F8174}"/>
               </a:ext>
             </a:extLst>
           </p:cNvPr>
@@ -11553,7 +11552,7 @@
           <p:cNvPr id="3" name="Subtitle 2">
             <a:extLst>
               <a:ext uri="{FF2B5EF4-FFF2-40B4-BE49-F238E27FC236}">
-                <a16:creationId xmlns:a16="http://schemas.microsoft.com/office/drawing/2014/main" xmlns="" id="{52614203-D48D-4930-9C3C-D0132F0A1568}"/>
+                <a16:creationId xmlns="" xmlns:a16="http://schemas.microsoft.com/office/drawing/2014/main" id="{52614203-D48D-4930-9C3C-D0132F0A1568}"/>
               </a:ext>
             </a:extLst>
           </p:cNvPr>
